--- a/What is StoryLinks/StoryLinks.pptx
+++ b/What is StoryLinks/StoryLinks.pptx
@@ -6253,7 +6253,7 @@
             </a:pPr>
             <a:r>
               <a:rPr lang="en-IN" dirty="0"/>
-              <a:t>Pinnacle aims to build a platform that addresses this problem by delivering content based links to articles which are un-intrusive, elegant and useful to the user.</a:t>
+              <a:t>A platform that addresses this problem by delivering content based links to articles which are un-intrusive, elegant and useful to the user.</a:t>
             </a:r>
           </a:p>
           <a:p>

--- a/What is StoryLinks/StoryLinks.pptx
+++ b/What is StoryLinks/StoryLinks.pptx
@@ -6240,7 +6240,7 @@
         </p:nvSpPr>
         <p:spPr>
           <a:xfrm>
-            <a:off x="646111" y="2014281"/>
+            <a:off x="671869" y="1808217"/>
             <a:ext cx="5297488" cy="4195481"/>
           </a:xfrm>
         </p:spPr>
@@ -6281,7 +6281,7 @@
       </p:sp>
       <p:pic>
         <p:nvPicPr>
-          <p:cNvPr id="7" name="Picture 6"/>
+          <p:cNvPr id="8" name="Picture 7"/>
           <p:cNvPicPr>
             <a:picLocks noChangeAspect="1"/>
           </p:cNvPicPr>
@@ -6295,7 +6295,7 @@
         </p:blipFill>
         <p:spPr>
           <a:xfrm>
-            <a:off x="6686482" y="0"/>
+            <a:off x="6440859" y="0"/>
             <a:ext cx="3609975" cy="6858000"/>
           </a:xfrm>
           <a:prstGeom prst="rect">
@@ -6303,6 +6303,41 @@
           </a:prstGeom>
         </p:spPr>
       </p:pic>
+      <p:cxnSp>
+        <p:nvCxnSpPr>
+          <p:cNvPr id="10" name="Connector: Elbow 9"/>
+          <p:cNvCxnSpPr/>
+          <p:nvPr/>
+        </p:nvCxnSpPr>
+        <p:spPr>
+          <a:xfrm>
+            <a:off x="4189564" y="4932608"/>
+            <a:ext cx="2494571" cy="862885"/>
+          </a:xfrm>
+          <a:prstGeom prst="bentConnector3">
+            <a:avLst>
+              <a:gd name="adj1" fmla="val -79"/>
+            </a:avLst>
+          </a:prstGeom>
+          <a:ln>
+            <a:tailEnd type="triangle"/>
+          </a:ln>
+        </p:spPr>
+        <p:style>
+          <a:lnRef idx="1">
+            <a:schemeClr val="accent1"/>
+          </a:lnRef>
+          <a:fillRef idx="0">
+            <a:schemeClr val="accent1"/>
+          </a:fillRef>
+          <a:effectRef idx="0">
+            <a:schemeClr val="accent1"/>
+          </a:effectRef>
+          <a:fontRef idx="minor">
+            <a:schemeClr val="tx1"/>
+          </a:fontRef>
+        </p:style>
+      </p:cxnSp>
     </p:spTree>
     <p:extLst>
       <p:ext uri="{BB962C8B-B14F-4D97-AF65-F5344CB8AC3E}">

--- a/What is StoryLinks/StoryLinks.pptx
+++ b/What is StoryLinks/StoryLinks.pptx
@@ -7444,6 +7444,69 @@
           </a:p>
         </p:txBody>
       </p:sp>
+      <p:cxnSp>
+        <p:nvCxnSpPr>
+          <p:cNvPr id="87" name="Straight Arrow Connector 86"/>
+          <p:cNvCxnSpPr/>
+          <p:nvPr/>
+        </p:nvCxnSpPr>
+        <p:spPr>
+          <a:xfrm flipH="1">
+            <a:off x="7593235" y="3224074"/>
+            <a:ext cx="2864410" cy="0"/>
+          </a:xfrm>
+          <a:prstGeom prst="straightConnector1">
+            <a:avLst/>
+          </a:prstGeom>
+          <a:ln>
+            <a:prstDash val="dashDot"/>
+            <a:tailEnd type="triangle"/>
+          </a:ln>
+        </p:spPr>
+        <p:style>
+          <a:lnRef idx="1">
+            <a:schemeClr val="accent1"/>
+          </a:lnRef>
+          <a:fillRef idx="0">
+            <a:schemeClr val="accent1"/>
+          </a:fillRef>
+          <a:effectRef idx="0">
+            <a:schemeClr val="accent1"/>
+          </a:effectRef>
+          <a:fontRef idx="minor">
+            <a:schemeClr val="tx1"/>
+          </a:fontRef>
+        </p:style>
+      </p:cxnSp>
+      <p:sp>
+        <p:nvSpPr>
+          <p:cNvPr id="124" name="TextBox 123"/>
+          <p:cNvSpPr txBox="1"/>
+          <p:nvPr/>
+        </p:nvSpPr>
+        <p:spPr>
+          <a:xfrm>
+            <a:off x="7672549" y="2858321"/>
+            <a:ext cx="2841513" cy="276999"/>
+          </a:xfrm>
+          <a:prstGeom prst="rect">
+            <a:avLst/>
+          </a:prstGeom>
+          <a:noFill/>
+        </p:spPr>
+        <p:txBody>
+          <a:bodyPr wrap="square" rtlCol="0">
+            <a:spAutoFit/>
+          </a:bodyPr>
+          <a:lstStyle/>
+          <a:p>
+            <a:r>
+              <a:rPr lang="en-IN" sz="1200" dirty="0"/>
+              <a:t>Fetch supplied product details</a:t>
+            </a:r>
+          </a:p>
+        </p:txBody>
+      </p:sp>
     </p:spTree>
     <p:extLst>
       <p:ext uri="{BB962C8B-B14F-4D97-AF65-F5344CB8AC3E}">
